--- a/1. Core Java/Day 10/Slides/Course Overview/course-overview.pptx
+++ b/1. Core Java/Day 10/Slides/Course Overview/course-overview.pptx
@@ -3598,32 +3598,59 @@
           </a:p>
         </p:txBody>
       </p:sp>
-      <p:pic>
-        <p:nvPicPr>
-          <p:cNvPr id="5" name="Content Placeholder 4"/>
-          <p:cNvPicPr>
-            <a:picLocks noChangeAspect="1"/>
-          </p:cNvPicPr>
+      <p:graphicFrame>
+        <p:nvGraphicFramePr>
+          <p:cNvPr id="6" name="Content Placeholder 5"/>
+          <p:cNvGraphicFramePr>
+            <a:graphicFrameLocks noChangeAspect="1"/>
+          </p:cNvGraphicFramePr>
           <p:nvPr>
             <p:ph idx="1"/>
           </p:nvPr>
-        </p:nvPicPr>
-        <p:blipFill>
-          <a:blip r:embed="rId1"/>
-          <a:stretch>
-            <a:fillRect/>
-          </a:stretch>
-        </p:blipFill>
-        <p:spPr>
-          <a:xfrm>
-            <a:off x="2596515" y="1353185"/>
-            <a:ext cx="8515985" cy="4351655"/>
-          </a:xfrm>
-          <a:prstGeom prst="rect">
-            <a:avLst/>
-          </a:prstGeom>
-        </p:spPr>
-      </p:pic>
+        </p:nvGraphicFramePr>
+        <p:xfrm>
+          <a:off x="1979295" y="820420"/>
+          <a:ext cx="8949055" cy="5535930"/>
+        </p:xfrm>
+        <a:graphic>
+          <a:graphicData uri="http://schemas.openxmlformats.org/presentationml/2006/ole">
+            <mc:AlternateContent xmlns:mc="http://schemas.openxmlformats.org/markup-compatibility/2006">
+              <mc:Choice xmlns:v="urn:schemas-microsoft-com:vml" Requires="v">
+                <p:oleObj spid="_x0000_s7" name="" r:id="rId1" imgW="6143625" imgH="3800475" progId="Paint.Picture">
+                  <p:embed/>
+                </p:oleObj>
+              </mc:Choice>
+              <mc:Fallback>
+                <p:oleObj name="" r:id="rId1" imgW="6143625" imgH="3800475" progId="Paint.Picture">
+                  <p:embed/>
+                  <p:pic>
+                    <p:nvPicPr>
+                      <p:cNvPr id="0" name="Picture 6"/>
+                      <p:cNvPicPr/>
+                      <p:nvPr/>
+                    </p:nvPicPr>
+                    <p:blipFill>
+                      <a:blip r:embed="rId2"/>
+                      <a:stretch>
+                        <a:fillRect/>
+                      </a:stretch>
+                    </p:blipFill>
+                    <p:spPr>
+                      <a:xfrm>
+                        <a:off x="1979295" y="820420"/>
+                        <a:ext cx="8949055" cy="5535930"/>
+                      </a:xfrm>
+                      <a:prstGeom prst="rect">
+                        <a:avLst/>
+                      </a:prstGeom>
+                    </p:spPr>
+                  </p:pic>
+                </p:oleObj>
+              </mc:Fallback>
+            </mc:AlternateContent>
+          </a:graphicData>
+        </a:graphic>
+      </p:graphicFrame>
     </p:spTree>
   </p:cSld>
   <p:clrMapOvr>
@@ -3681,32 +3708,59 @@
           </a:p>
         </p:txBody>
       </p:sp>
-      <p:pic>
-        <p:nvPicPr>
-          <p:cNvPr id="7" name="Content Placeholder 6"/>
-          <p:cNvPicPr>
-            <a:picLocks noChangeAspect="1"/>
-          </p:cNvPicPr>
+      <p:graphicFrame>
+        <p:nvGraphicFramePr>
+          <p:cNvPr id="10" name="Content Placeholder 9"/>
+          <p:cNvGraphicFramePr>
+            <a:graphicFrameLocks noChangeAspect="1"/>
+          </p:cNvGraphicFramePr>
           <p:nvPr>
             <p:ph idx="1"/>
           </p:nvPr>
-        </p:nvPicPr>
-        <p:blipFill>
-          <a:blip r:embed="rId1"/>
-          <a:stretch>
-            <a:fillRect/>
-          </a:stretch>
-        </p:blipFill>
-        <p:spPr>
-          <a:xfrm>
-            <a:off x="2190750" y="1253490"/>
-            <a:ext cx="8524875" cy="4351655"/>
-          </a:xfrm>
-          <a:prstGeom prst="rect">
-            <a:avLst/>
-          </a:prstGeom>
-        </p:spPr>
-      </p:pic>
+        </p:nvGraphicFramePr>
+        <p:xfrm>
+          <a:off x="1752600" y="833755"/>
+          <a:ext cx="9357360" cy="5522595"/>
+        </p:xfrm>
+        <a:graphic>
+          <a:graphicData uri="http://schemas.openxmlformats.org/presentationml/2006/ole">
+            <mc:AlternateContent xmlns:mc="http://schemas.openxmlformats.org/markup-compatibility/2006">
+              <mc:Choice xmlns:v="urn:schemas-microsoft-com:vml" Requires="v">
+                <p:oleObj spid="_x0000_s11" name="" r:id="rId1" imgW="6391275" imgH="3771900" progId="Paint.Picture">
+                  <p:embed/>
+                </p:oleObj>
+              </mc:Choice>
+              <mc:Fallback>
+                <p:oleObj name="" r:id="rId1" imgW="6391275" imgH="3771900" progId="Paint.Picture">
+                  <p:embed/>
+                  <p:pic>
+                    <p:nvPicPr>
+                      <p:cNvPr id="0" name="Picture 10"/>
+                      <p:cNvPicPr/>
+                      <p:nvPr/>
+                    </p:nvPicPr>
+                    <p:blipFill>
+                      <a:blip r:embed="rId2"/>
+                      <a:stretch>
+                        <a:fillRect/>
+                      </a:stretch>
+                    </p:blipFill>
+                    <p:spPr>
+                      <a:xfrm>
+                        <a:off x="1752600" y="833755"/>
+                        <a:ext cx="9357360" cy="5522595"/>
+                      </a:xfrm>
+                      <a:prstGeom prst="rect">
+                        <a:avLst/>
+                      </a:prstGeom>
+                    </p:spPr>
+                  </p:pic>
+                </p:oleObj>
+              </mc:Fallback>
+            </mc:AlternateContent>
+          </a:graphicData>
+        </a:graphic>
+      </p:graphicFrame>
     </p:spTree>
   </p:cSld>
   <p:clrMapOvr>
@@ -3725,24 +3779,6 @@
         <p:nvPr/>
       </p:nvGrpSpPr>
       <p:grpSpPr/>
-      <p:sp>
-        <p:nvSpPr>
-          <p:cNvPr id="2" name="Title 1"/>
-          <p:cNvSpPr>
-            <a:spLocks noGrp="1"/>
-          </p:cNvSpPr>
-          <p:nvPr>
-            <p:ph type="title"/>
-          </p:nvPr>
-        </p:nvSpPr>
-        <p:spPr/>
-        <p:txBody>
-          <a:bodyPr/>
-          <a:p>
-            <a:endParaRPr lang="en-US"/>
-          </a:p>
-        </p:txBody>
-      </p:sp>
       <p:sp>
         <p:nvSpPr>
           <p:cNvPr id="4" name="Slide Number Placeholder 3"/>
